--- a/WORD/luanvan_nhanhnt_ver2.pptx
+++ b/WORD/luanvan_nhanhnt_ver2.pptx
@@ -256,7 +256,7 @@
           <a:p>
             <a:fld id="{CA3BC56F-4620-49B9-A5A5-EC9358827620}" type="datetimeFigureOut">
               <a:rPr lang="en-US" smtClean="0"/>
-              <a:t>25/3/2016</a:t>
+              <a:t>28/3/2016</a:t>
             </a:fld>
             <a:endParaRPr lang="en-US"/>
           </a:p>
@@ -12568,7 +12568,15 @@
             </a:pPr>
             <a:r>
               <a:rPr lang="en-US" b="1" dirty="0"/>
-              <a:t>1.1 Công nghệ Java Web </a:t>
+              <a:t>1.1 Công </a:t>
+            </a:r>
+            <a:r>
+              <a:rPr lang="en-US" b="1"/>
+              <a:t>nghệ </a:t>
+            </a:r>
+            <a:r>
+              <a:rPr lang="en-US" b="1" smtClean="0"/>
+              <a:t>Web </a:t>
             </a:r>
             <a:r>
               <a:rPr lang="en-US" b="1" dirty="0" smtClean="0"/>
@@ -12807,11 +12815,7 @@
           <a:p>
             <a:r>
               <a:rPr lang="en-US" dirty="0" smtClean="0"/>
-              <a:t>2.3 Eclipse </a:t>
-            </a:r>
-            <a:r>
-              <a:rPr lang="en-US" dirty="0" smtClean="0"/>
-              <a:t>Modeling Framework (EMF)</a:t>
+              <a:t>2.3 Eclipse Modeling Framework (EMF)</a:t>
             </a:r>
             <a:endParaRPr lang="en-US" dirty="0"/>
           </a:p>
@@ -12997,11 +13001,7 @@
           <a:p>
             <a:r>
               <a:rPr lang="en-US" dirty="0" smtClean="0"/>
-              <a:t>2.3 Eclipse </a:t>
-            </a:r>
-            <a:r>
-              <a:rPr lang="en-US" dirty="0" smtClean="0"/>
-              <a:t>Modeling Framework (EMF)</a:t>
+              <a:t>2.3 Eclipse Modeling Framework (EMF)</a:t>
             </a:r>
             <a:endParaRPr lang="en-US" dirty="0"/>
           </a:p>
@@ -13198,11 +13198,7 @@
           <a:p>
             <a:r>
               <a:rPr lang="en-US" dirty="0" smtClean="0"/>
-              <a:t>2.3 Eclipse </a:t>
-            </a:r>
-            <a:r>
-              <a:rPr lang="en-US" dirty="0" smtClean="0"/>
-              <a:t>Modeling Framework (EMF)</a:t>
+              <a:t>2.3 Eclipse Modeling Framework (EMF)</a:t>
             </a:r>
             <a:endParaRPr lang="en-US" dirty="0"/>
           </a:p>
@@ -13397,11 +13393,7 @@
           <a:p>
             <a:r>
               <a:rPr lang="en-US" dirty="0" smtClean="0"/>
-              <a:t>2.3 Eclipse </a:t>
-            </a:r>
-            <a:r>
-              <a:rPr lang="en-US" dirty="0" smtClean="0"/>
-              <a:t>Modeling Framework (EMF)</a:t>
+              <a:t>2.3 Eclipse Modeling Framework (EMF)</a:t>
             </a:r>
             <a:endParaRPr lang="en-US" dirty="0"/>
           </a:p>
@@ -13665,11 +13657,7 @@
           <a:p>
             <a:r>
               <a:rPr lang="en-US" dirty="0" smtClean="0"/>
-              <a:t>2.3 Eclipse </a:t>
-            </a:r>
-            <a:r>
-              <a:rPr lang="en-US" dirty="0" smtClean="0"/>
-              <a:t>Modeling Framework (EMF)</a:t>
+              <a:t>2.3 Eclipse Modeling Framework (EMF)</a:t>
             </a:r>
             <a:endParaRPr lang="en-US" dirty="0"/>
           </a:p>
@@ -14357,7 +14345,6 @@
               <a:rPr lang="en-US" sz="2600" b="1" dirty="0" smtClean="0"/>
               <a:t>3.1 Bài toán điều phối các lời gọi dịch vụ trong kiến trúc SOA</a:t>
             </a:r>
-            <a:endParaRPr lang="en-US" sz="2600" b="1" dirty="0" smtClean="0"/>
           </a:p>
           <a:p>
             <a:pPr>
@@ -14369,7 +14356,6 @@
               <a:rPr lang="en-US" sz="2600" b="1" dirty="0" smtClean="0"/>
               <a:t>3.1.1 Mục tiêu</a:t>
             </a:r>
-            <a:endParaRPr lang="en-US" sz="2600" b="1" dirty="0" smtClean="0"/>
           </a:p>
           <a:p>
             <a:pPr lvl="2">
@@ -14427,19 +14413,7 @@
           <a:p>
             <a:r>
               <a:rPr lang="en-US" dirty="0" smtClean="0"/>
-              <a:t>Chương </a:t>
-            </a:r>
-            <a:r>
-              <a:rPr lang="en-US" dirty="0" smtClean="0"/>
-              <a:t>3 </a:t>
-            </a:r>
-            <a:r>
-              <a:rPr lang="en-US" dirty="0" smtClean="0"/>
-              <a:t>: </a:t>
-            </a:r>
-            <a:r>
-              <a:rPr lang="en-US" dirty="0" smtClean="0"/>
-              <a:t>Xây dựng ứng dụng trên nền tảng Eclipse</a:t>
+              <a:t>Chương 3 : Xây dựng ứng dụng trên nền tảng Eclipse</a:t>
             </a:r>
             <a:endParaRPr lang="en-US" dirty="0"/>
           </a:p>
@@ -14537,7 +14511,6 @@
               <a:rPr lang="en-US" sz="2600" b="1" dirty="0" smtClean="0"/>
               <a:t>3.1.2 Giải pháp</a:t>
             </a:r>
-            <a:endParaRPr lang="en-US" sz="2600" b="1" dirty="0" smtClean="0"/>
           </a:p>
           <a:p>
             <a:pPr lvl="2">
@@ -14583,19 +14556,7 @@
           <a:p>
             <a:r>
               <a:rPr lang="en-US" dirty="0" smtClean="0"/>
-              <a:t>Chương </a:t>
-            </a:r>
-            <a:r>
-              <a:rPr lang="en-US" dirty="0" smtClean="0"/>
-              <a:t>3 </a:t>
-            </a:r>
-            <a:r>
-              <a:rPr lang="en-US" dirty="0" smtClean="0"/>
-              <a:t>: </a:t>
-            </a:r>
-            <a:r>
-              <a:rPr lang="en-US" dirty="0" smtClean="0"/>
-              <a:t>Xây dựng ứng dụng trên nền tảng Eclipse</a:t>
+              <a:t>Chương 3 : Xây dựng ứng dụng trên nền tảng Eclipse</a:t>
             </a:r>
             <a:endParaRPr lang="en-US" dirty="0"/>
           </a:p>
@@ -14801,11 +14762,7 @@
             </a:pPr>
             <a:r>
               <a:rPr lang="en-US" sz="2800" dirty="0"/>
-              <a:t>Một phần nữa trong giải pháp là triển khai một plug-in đường ống (Pipeline plug-in), đóng vai trò trung tâm trong việc điều phối dịch vụ của hệ thống và trong việc tạo ra các dịch vụ nghiệp vụ mới. </a:t>
-            </a:r>
-            <a:r>
-              <a:rPr lang="en-US" sz="2800" dirty="0"/>
-              <a:t>Pipeline được định nghĩa bằng một cấu trúc XML để quy định các bước trong Pipeline và các chuyển đổi liên </a:t>
+              <a:t>Một phần nữa trong giải pháp là triển khai một plug-in đường ống (Pipeline plug-in), đóng vai trò trung tâm trong việc điều phối dịch vụ của hệ thống và trong việc tạo ra các dịch vụ nghiệp vụ mới. Pipeline được định nghĩa bằng một cấu trúc XML để quy định các bước trong Pipeline và các chuyển đổi liên </a:t>
             </a:r>
             <a:r>
               <a:rPr lang="en-US" sz="2800" dirty="0" smtClean="0"/>
@@ -14841,19 +14798,7 @@
           <a:p>
             <a:r>
               <a:rPr lang="en-US" dirty="0" smtClean="0"/>
-              <a:t>Chương </a:t>
-            </a:r>
-            <a:r>
-              <a:rPr lang="en-US" dirty="0" smtClean="0"/>
-              <a:t>3 </a:t>
-            </a:r>
-            <a:r>
-              <a:rPr lang="en-US" dirty="0" smtClean="0"/>
-              <a:t>: </a:t>
-            </a:r>
-            <a:r>
-              <a:rPr lang="en-US" dirty="0" smtClean="0"/>
-              <a:t>Xây dựng ứng dụng trên nền tảng Eclipse</a:t>
+              <a:t>Chương 3 : Xây dựng ứng dụng trên nền tảng Eclipse</a:t>
             </a:r>
             <a:endParaRPr lang="en-US" dirty="0"/>
           </a:p>
@@ -14977,19 +14922,7 @@
           <a:p>
             <a:r>
               <a:rPr lang="en-US" dirty="0" smtClean="0"/>
-              <a:t>Chương </a:t>
-            </a:r>
-            <a:r>
-              <a:rPr lang="en-US" dirty="0" smtClean="0"/>
-              <a:t>3 </a:t>
-            </a:r>
-            <a:r>
-              <a:rPr lang="en-US" dirty="0" smtClean="0"/>
-              <a:t>: </a:t>
-            </a:r>
-            <a:r>
-              <a:rPr lang="en-US" dirty="0" smtClean="0"/>
-              <a:t>Xây dựng ứng dụng trên nền tảng Eclipse</a:t>
+              <a:t>Chương 3 : Xây dựng ứng dụng trên nền tảng Eclipse</a:t>
             </a:r>
             <a:endParaRPr lang="en-US" dirty="0"/>
           </a:p>
@@ -15120,11 +15053,7 @@
             </a:r>
             <a:r>
               <a:rPr lang="en-US" sz="2800" dirty="0"/>
-              <a:t>mà các dịch vụ S có thể là các giao diện dịch vụ (GUI services) Sv , internal web-services Sw , và external web-services Sx. </a:t>
-            </a:r>
-            <a:r>
-              <a:rPr lang="en-US" sz="2800" dirty="0"/>
-              <a:t>Tức là S ={ Sv , Sw , Sx}. Pipeline P sẽ điều phối các nghiệp vụ services khác nhau (Sw và Sx) và áp dụng các phép chuyển đổi T để trả lại kết quả cho user hoặc services khác, tức là P ={Sw , Sx ,T}</a:t>
+              <a:t>mà các dịch vụ S có thể là các giao diện dịch vụ (GUI services) Sv , internal web-services Sw , và external web-services Sx. Tức là S ={ Sv , Sw , Sx}. Pipeline P sẽ điều phối các nghiệp vụ services khác nhau (Sw và Sx) và áp dụng các phép chuyển đổi T để trả lại kết quả cho user hoặc services khác, tức là P ={Sw , Sx ,T}</a:t>
             </a:r>
           </a:p>
           <a:p>
@@ -15151,19 +15080,7 @@
           <a:p>
             <a:r>
               <a:rPr lang="en-US" dirty="0" smtClean="0"/>
-              <a:t>Chương </a:t>
-            </a:r>
-            <a:r>
-              <a:rPr lang="en-US" dirty="0" smtClean="0"/>
-              <a:t>3 </a:t>
-            </a:r>
-            <a:r>
-              <a:rPr lang="en-US" dirty="0" smtClean="0"/>
-              <a:t>: </a:t>
-            </a:r>
-            <a:r>
-              <a:rPr lang="en-US" dirty="0" smtClean="0"/>
-              <a:t>Xây dựng ứng dụng trên nền tảng Eclipse</a:t>
+              <a:t>Chương 3 : Xây dựng ứng dụng trên nền tảng Eclipse</a:t>
             </a:r>
             <a:endParaRPr lang="en-US" dirty="0"/>
           </a:p>
@@ -15298,19 +15215,7 @@
           <a:p>
             <a:r>
               <a:rPr lang="en-US" dirty="0" smtClean="0"/>
-              <a:t>Chương </a:t>
-            </a:r>
-            <a:r>
-              <a:rPr lang="en-US" dirty="0" smtClean="0"/>
-              <a:t>3 </a:t>
-            </a:r>
-            <a:r>
-              <a:rPr lang="en-US" dirty="0" smtClean="0"/>
-              <a:t>: </a:t>
-            </a:r>
-            <a:r>
-              <a:rPr lang="en-US" dirty="0" smtClean="0"/>
-              <a:t>Xây dựng ứng dụng trên nền tảng Eclipse</a:t>
+              <a:t>Chương 3 : Xây dựng ứng dụng trên nền tảng Eclipse</a:t>
             </a:r>
             <a:endParaRPr lang="en-US" dirty="0"/>
           </a:p>
@@ -15453,19 +15358,7 @@
           <a:p>
             <a:r>
               <a:rPr lang="en-US" dirty="0" smtClean="0"/>
-              <a:t>Chương </a:t>
-            </a:r>
-            <a:r>
-              <a:rPr lang="en-US" dirty="0" smtClean="0"/>
-              <a:t>3 </a:t>
-            </a:r>
-            <a:r>
-              <a:rPr lang="en-US" dirty="0" smtClean="0"/>
-              <a:t>: </a:t>
-            </a:r>
-            <a:r>
-              <a:rPr lang="en-US" dirty="0" smtClean="0"/>
-              <a:t>Xây dựng ứng dụng trên nền tảng Eclipse</a:t>
+              <a:t>Chương 3 : Xây dựng ứng dụng trên nền tảng Eclipse</a:t>
             </a:r>
             <a:endParaRPr lang="en-US" dirty="0"/>
           </a:p>
@@ -15671,19 +15564,7 @@
           <a:p>
             <a:r>
               <a:rPr lang="en-US" dirty="0" smtClean="0"/>
-              <a:t>Chương </a:t>
-            </a:r>
-            <a:r>
-              <a:rPr lang="en-US" dirty="0" smtClean="0"/>
-              <a:t>3 </a:t>
-            </a:r>
-            <a:r>
-              <a:rPr lang="en-US" dirty="0" smtClean="0"/>
-              <a:t>: </a:t>
-            </a:r>
-            <a:r>
-              <a:rPr lang="en-US" dirty="0" smtClean="0"/>
-              <a:t>Xây dựng ứng dụng trên nền tảng Eclipse</a:t>
+              <a:t>Chương 3 : Xây dựng ứng dụng trên nền tảng Eclipse</a:t>
             </a:r>
             <a:endParaRPr lang="en-US" dirty="0"/>
           </a:p>
@@ -15822,19 +15703,7 @@
           <a:p>
             <a:r>
               <a:rPr lang="en-US" dirty="0" smtClean="0"/>
-              <a:t>Chương </a:t>
-            </a:r>
-            <a:r>
-              <a:rPr lang="en-US" dirty="0" smtClean="0"/>
-              <a:t>3 </a:t>
-            </a:r>
-            <a:r>
-              <a:rPr lang="en-US" dirty="0" smtClean="0"/>
-              <a:t>: </a:t>
-            </a:r>
-            <a:r>
-              <a:rPr lang="en-US" dirty="0" smtClean="0"/>
-              <a:t>Xây dựng ứng dụng trên nền tảng Eclipse</a:t>
+              <a:t>Chương 3 : Xây dựng ứng dụng trên nền tảng Eclipse</a:t>
             </a:r>
             <a:endParaRPr lang="en-US" dirty="0"/>
           </a:p>
@@ -16042,19 +15911,7 @@
           <a:p>
             <a:r>
               <a:rPr lang="en-US" dirty="0" smtClean="0"/>
-              <a:t>Chương </a:t>
-            </a:r>
-            <a:r>
-              <a:rPr lang="en-US" dirty="0" smtClean="0"/>
-              <a:t>3 </a:t>
-            </a:r>
-            <a:r>
-              <a:rPr lang="en-US" dirty="0" smtClean="0"/>
-              <a:t>: </a:t>
-            </a:r>
-            <a:r>
-              <a:rPr lang="en-US" dirty="0" smtClean="0"/>
-              <a:t>Xây dựng ứng dụng trên nền tảng Eclipse</a:t>
+              <a:t>Chương 3 : Xây dựng ứng dụng trên nền tảng Eclipse</a:t>
             </a:r>
             <a:endParaRPr lang="en-US" dirty="0"/>
           </a:p>
@@ -16326,19 +16183,7 @@
           <a:p>
             <a:r>
               <a:rPr lang="en-US" dirty="0" smtClean="0"/>
-              <a:t>Chương </a:t>
-            </a:r>
-            <a:r>
-              <a:rPr lang="en-US" dirty="0" smtClean="0"/>
-              <a:t>3 </a:t>
-            </a:r>
-            <a:r>
-              <a:rPr lang="en-US" dirty="0" smtClean="0"/>
-              <a:t>: </a:t>
-            </a:r>
-            <a:r>
-              <a:rPr lang="en-US" dirty="0" smtClean="0"/>
-              <a:t>Xây dựng ứng dụng trên nền tảng Eclipse</a:t>
+              <a:t>Chương 3 : Xây dựng ứng dụng trên nền tảng Eclipse</a:t>
             </a:r>
             <a:endParaRPr lang="en-US" dirty="0"/>
           </a:p>
@@ -16618,19 +16463,7 @@
           <a:p>
             <a:r>
               <a:rPr lang="en-US" dirty="0" smtClean="0"/>
-              <a:t>Chương </a:t>
-            </a:r>
-            <a:r>
-              <a:rPr lang="en-US" dirty="0" smtClean="0"/>
-              <a:t>3 </a:t>
-            </a:r>
-            <a:r>
-              <a:rPr lang="en-US" dirty="0" smtClean="0"/>
-              <a:t>: </a:t>
-            </a:r>
-            <a:r>
-              <a:rPr lang="en-US" dirty="0" smtClean="0"/>
-              <a:t>Xây dựng ứng dụng trên nền tảng Eclipse</a:t>
+              <a:t>Chương 3 : Xây dựng ứng dụng trên nền tảng Eclipse</a:t>
             </a:r>
             <a:endParaRPr lang="en-US" dirty="0"/>
           </a:p>
@@ -17016,19 +16849,7 @@
           <a:p>
             <a:r>
               <a:rPr lang="en-US" dirty="0" smtClean="0"/>
-              <a:t>Chương </a:t>
-            </a:r>
-            <a:r>
-              <a:rPr lang="en-US" dirty="0" smtClean="0"/>
-              <a:t>3 </a:t>
-            </a:r>
-            <a:r>
-              <a:rPr lang="en-US" dirty="0" smtClean="0"/>
-              <a:t>: </a:t>
-            </a:r>
-            <a:r>
-              <a:rPr lang="en-US" dirty="0" smtClean="0"/>
-              <a:t>Xây dựng ứng dụng trên nền tảng Eclipse</a:t>
+              <a:t>Chương 3 : Xây dựng ứng dụng trên nền tảng Eclipse</a:t>
             </a:r>
             <a:endParaRPr lang="en-US" dirty="0"/>
           </a:p>
@@ -17234,19 +17055,7 @@
           <a:p>
             <a:r>
               <a:rPr lang="en-US" dirty="0" smtClean="0"/>
-              <a:t>Chương </a:t>
-            </a:r>
-            <a:r>
-              <a:rPr lang="en-US" dirty="0" smtClean="0"/>
-              <a:t>3 </a:t>
-            </a:r>
-            <a:r>
-              <a:rPr lang="en-US" dirty="0" smtClean="0"/>
-              <a:t>: </a:t>
-            </a:r>
-            <a:r>
-              <a:rPr lang="en-US" dirty="0" smtClean="0"/>
-              <a:t>Xây dựng ứng dụng trên nền tảng Eclipse</a:t>
+              <a:t>Chương 3 : Xây dựng ứng dụng trên nền tảng Eclipse</a:t>
             </a:r>
             <a:endParaRPr lang="en-US" dirty="0"/>
           </a:p>
@@ -17474,19 +17283,7 @@
           <a:p>
             <a:r>
               <a:rPr lang="en-US" dirty="0" smtClean="0"/>
-              <a:t>Chương </a:t>
-            </a:r>
-            <a:r>
-              <a:rPr lang="en-US" dirty="0" smtClean="0"/>
-              <a:t>3 </a:t>
-            </a:r>
-            <a:r>
-              <a:rPr lang="en-US" dirty="0" smtClean="0"/>
-              <a:t>: </a:t>
-            </a:r>
-            <a:r>
-              <a:rPr lang="en-US" dirty="0" smtClean="0"/>
-              <a:t>Xây dựng ứng dụng trên nền tảng Eclipse</a:t>
+              <a:t>Chương 3 : Xây dựng ứng dụng trên nền tảng Eclipse</a:t>
             </a:r>
             <a:endParaRPr lang="en-US" dirty="0"/>
           </a:p>
@@ -17628,19 +17425,7 @@
           <a:p>
             <a:r>
               <a:rPr lang="en-US" dirty="0" smtClean="0"/>
-              <a:t>Chương </a:t>
-            </a:r>
-            <a:r>
-              <a:rPr lang="en-US" dirty="0" smtClean="0"/>
-              <a:t>3 </a:t>
-            </a:r>
-            <a:r>
-              <a:rPr lang="en-US" dirty="0" smtClean="0"/>
-              <a:t>: </a:t>
-            </a:r>
-            <a:r>
-              <a:rPr lang="en-US" dirty="0" smtClean="0"/>
-              <a:t>Xây dựng ứng dụng trên nền tảng Eclipse</a:t>
+              <a:t>Chương 3 : Xây dựng ứng dụng trên nền tảng Eclipse</a:t>
             </a:r>
             <a:endParaRPr lang="en-US" dirty="0"/>
           </a:p>
